--- a/03_figures/ig_2023_08_18_fig_sv.pptx
+++ b/03_figures/ig_2023_08_18_fig_sv.pptx
@@ -9,6 +9,7 @@
     <p:sldId id="259" r:id="rId3"/>
     <p:sldId id="258" r:id="rId4"/>
     <p:sldId id="257" r:id="rId5"/>
+    <p:sldId id="260" r:id="rId6"/>
   </p:sldIdLst>
   <p:sldSz cx="18000663" cy="25199975"/>
   <p:notesSz cx="6858000" cy="9144000"/>
@@ -115,6 +116,14 @@
 </p:presentation>
 </file>
 
+<file path=ppt/revisionInfo.xml><?xml version="1.0" encoding="utf-8"?>
+<p1510:revInfo xmlns:a="http://schemas.openxmlformats.org/drawingml/2006/main" xmlns:r="http://schemas.openxmlformats.org/officeDocument/2006/relationships" xmlns:p1510="http://schemas.microsoft.com/office/powerpoint/2015/10/main">
+  <p1510:revLst>
+    <p1510:client id="{7A87B54E-4E9E-2A45-B712-0F4DC2EFB6B3}" v="3" dt="2024-05-29T15:41:51.221"/>
+  </p1510:revLst>
+</p1510:revInfo>
+</file>
+
 <file path=ppt/changesInfos/changesInfo1.xml><?xml version="1.0" encoding="utf-8"?>
 <pc:chgInfo xmlns:a="http://schemas.openxmlformats.org/drawingml/2006/main" xmlns:r="http://schemas.openxmlformats.org/officeDocument/2006/relationships" xmlns:ac="http://schemas.microsoft.com/office/drawing/2013/main/command" xmlns:pc="http://schemas.microsoft.com/office/powerpoint/2013/main/command">
   <pc:docChgLst>
@@ -3188,6 +3197,77 @@
             <ac:inkMk id="64" creationId="{83338712-2B2E-8CAB-F276-3460147E28E1}"/>
           </ac:inkMkLst>
         </pc:inkChg>
+      </pc:sldChg>
+    </pc:docChg>
+  </pc:docChgLst>
+  <pc:docChgLst>
+    <pc:chgData name="Ann Igolkina" userId="4d1b5d7ddf2bbc78" providerId="LiveId" clId="{7A87B54E-4E9E-2A45-B712-0F4DC2EFB6B3}"/>
+    <pc:docChg chg="addSld modSld">
+      <pc:chgData name="Ann Igolkina" userId="4d1b5d7ddf2bbc78" providerId="LiveId" clId="{7A87B54E-4E9E-2A45-B712-0F4DC2EFB6B3}" dt="2024-05-29T15:48:34.770" v="104" actId="20577"/>
+      <pc:docMkLst>
+        <pc:docMk/>
+      </pc:docMkLst>
+      <pc:sldChg chg="modSp mod">
+        <pc:chgData name="Ann Igolkina" userId="4d1b5d7ddf2bbc78" providerId="LiveId" clId="{7A87B54E-4E9E-2A45-B712-0F4DC2EFB6B3}" dt="2024-05-29T15:48:34.770" v="104" actId="20577"/>
+        <pc:sldMkLst>
+          <pc:docMk/>
+          <pc:sldMk cId="3308727029" sldId="257"/>
+        </pc:sldMkLst>
+        <pc:spChg chg="mod">
+          <ac:chgData name="Ann Igolkina" userId="4d1b5d7ddf2bbc78" providerId="LiveId" clId="{7A87B54E-4E9E-2A45-B712-0F4DC2EFB6B3}" dt="2024-05-29T15:48:34.770" v="104" actId="20577"/>
+          <ac:spMkLst>
+            <pc:docMk/>
+            <pc:sldMk cId="3308727029" sldId="257"/>
+            <ac:spMk id="3" creationId="{F8EC89FD-E275-B1DF-91DF-EF711EB8505E}"/>
+          </ac:spMkLst>
+        </pc:spChg>
+        <pc:spChg chg="mod">
+          <ac:chgData name="Ann Igolkina" userId="4d1b5d7ddf2bbc78" providerId="LiveId" clId="{7A87B54E-4E9E-2A45-B712-0F4DC2EFB6B3}" dt="2024-05-29T15:48:32.206" v="102" actId="20577"/>
+          <ac:spMkLst>
+            <pc:docMk/>
+            <pc:sldMk cId="3308727029" sldId="257"/>
+            <ac:spMk id="6" creationId="{8276B9C1-04CB-16F2-8D93-8174280FBF93}"/>
+          </ac:spMkLst>
+        </pc:spChg>
+      </pc:sldChg>
+      <pc:sldChg chg="addSp modSp new mod">
+        <pc:chgData name="Ann Igolkina" userId="4d1b5d7ddf2bbc78" providerId="LiveId" clId="{7A87B54E-4E9E-2A45-B712-0F4DC2EFB6B3}" dt="2024-05-29T15:42:31.838" v="64" actId="164"/>
+        <pc:sldMkLst>
+          <pc:docMk/>
+          <pc:sldMk cId="1695903505" sldId="260"/>
+        </pc:sldMkLst>
+        <pc:spChg chg="add mod">
+          <ac:chgData name="Ann Igolkina" userId="4d1b5d7ddf2bbc78" providerId="LiveId" clId="{7A87B54E-4E9E-2A45-B712-0F4DC2EFB6B3}" dt="2024-05-29T15:42:21.150" v="63" actId="1038"/>
+          <ac:spMkLst>
+            <pc:docMk/>
+            <pc:sldMk cId="1695903505" sldId="260"/>
+            <ac:spMk id="4" creationId="{91040C6B-BFE0-8DB3-BDDC-F8BC8E14AFE4}"/>
+          </ac:spMkLst>
+        </pc:spChg>
+        <pc:spChg chg="add mod">
+          <ac:chgData name="Ann Igolkina" userId="4d1b5d7ddf2bbc78" providerId="LiveId" clId="{7A87B54E-4E9E-2A45-B712-0F4DC2EFB6B3}" dt="2024-05-29T15:42:10.925" v="60" actId="207"/>
+          <ac:spMkLst>
+            <pc:docMk/>
+            <pc:sldMk cId="1695903505" sldId="260"/>
+            <ac:spMk id="5" creationId="{7D7E4D6D-60F8-B940-DFC6-1F816745DB0A}"/>
+          </ac:spMkLst>
+        </pc:spChg>
+        <pc:grpChg chg="add">
+          <ac:chgData name="Ann Igolkina" userId="4d1b5d7ddf2bbc78" providerId="LiveId" clId="{7A87B54E-4E9E-2A45-B712-0F4DC2EFB6B3}" dt="2024-05-29T15:42:31.838" v="64" actId="164"/>
+          <ac:grpSpMkLst>
+            <pc:docMk/>
+            <pc:sldMk cId="1695903505" sldId="260"/>
+            <ac:grpSpMk id="6" creationId="{7AF04295-B390-A3FD-BB95-2700C622945F}"/>
+          </ac:grpSpMkLst>
+        </pc:grpChg>
+        <pc:picChg chg="add mod">
+          <ac:chgData name="Ann Igolkina" userId="4d1b5d7ddf2bbc78" providerId="LiveId" clId="{7A87B54E-4E9E-2A45-B712-0F4DC2EFB6B3}" dt="2024-05-29T15:40:46.099" v="27" actId="14100"/>
+          <ac:picMkLst>
+            <pc:docMk/>
+            <pc:sldMk cId="1695903505" sldId="260"/>
+            <ac:picMk id="3" creationId="{8769897F-444C-6295-2E10-61B19A2BC387}"/>
+          </ac:picMkLst>
+        </pc:picChg>
       </pc:sldChg>
     </pc:docChg>
   </pc:docChgLst>
@@ -4473,7 +4553,7 @@
           <a:p>
             <a:fld id="{54B5EF71-3848-8048-B7D2-636D112955BB}" type="datetimeFigureOut">
               <a:rPr lang="en-AT" smtClean="0"/>
-              <a:t>07.02.24</a:t>
+              <a:t>29.05.24</a:t>
             </a:fld>
             <a:endParaRPr lang="en-AT"/>
           </a:p>
@@ -4643,7 +4723,7 @@
           <a:p>
             <a:fld id="{54B5EF71-3848-8048-B7D2-636D112955BB}" type="datetimeFigureOut">
               <a:rPr lang="en-AT" smtClean="0"/>
-              <a:t>07.02.24</a:t>
+              <a:t>29.05.24</a:t>
             </a:fld>
             <a:endParaRPr lang="en-AT"/>
           </a:p>
@@ -4823,7 +4903,7 @@
           <a:p>
             <a:fld id="{54B5EF71-3848-8048-B7D2-636D112955BB}" type="datetimeFigureOut">
               <a:rPr lang="en-AT" smtClean="0"/>
-              <a:t>07.02.24</a:t>
+              <a:t>29.05.24</a:t>
             </a:fld>
             <a:endParaRPr lang="en-AT"/>
           </a:p>
@@ -4993,7 +5073,7 @@
           <a:p>
             <a:fld id="{54B5EF71-3848-8048-B7D2-636D112955BB}" type="datetimeFigureOut">
               <a:rPr lang="en-AT" smtClean="0"/>
-              <a:t>07.02.24</a:t>
+              <a:t>29.05.24</a:t>
             </a:fld>
             <a:endParaRPr lang="en-AT"/>
           </a:p>
@@ -5237,7 +5317,7 @@
           <a:p>
             <a:fld id="{54B5EF71-3848-8048-B7D2-636D112955BB}" type="datetimeFigureOut">
               <a:rPr lang="en-AT" smtClean="0"/>
-              <a:t>07.02.24</a:t>
+              <a:t>29.05.24</a:t>
             </a:fld>
             <a:endParaRPr lang="en-AT"/>
           </a:p>
@@ -5469,7 +5549,7 @@
           <a:p>
             <a:fld id="{54B5EF71-3848-8048-B7D2-636D112955BB}" type="datetimeFigureOut">
               <a:rPr lang="en-AT" smtClean="0"/>
-              <a:t>07.02.24</a:t>
+              <a:t>29.05.24</a:t>
             </a:fld>
             <a:endParaRPr lang="en-AT"/>
           </a:p>
@@ -5836,7 +5916,7 @@
           <a:p>
             <a:fld id="{54B5EF71-3848-8048-B7D2-636D112955BB}" type="datetimeFigureOut">
               <a:rPr lang="en-AT" smtClean="0"/>
-              <a:t>07.02.24</a:t>
+              <a:t>29.05.24</a:t>
             </a:fld>
             <a:endParaRPr lang="en-AT"/>
           </a:p>
@@ -5954,7 +6034,7 @@
           <a:p>
             <a:fld id="{54B5EF71-3848-8048-B7D2-636D112955BB}" type="datetimeFigureOut">
               <a:rPr lang="en-AT" smtClean="0"/>
-              <a:t>07.02.24</a:t>
+              <a:t>29.05.24</a:t>
             </a:fld>
             <a:endParaRPr lang="en-AT"/>
           </a:p>
@@ -6049,7 +6129,7 @@
           <a:p>
             <a:fld id="{54B5EF71-3848-8048-B7D2-636D112955BB}" type="datetimeFigureOut">
               <a:rPr lang="en-AT" smtClean="0"/>
-              <a:t>07.02.24</a:t>
+              <a:t>29.05.24</a:t>
             </a:fld>
             <a:endParaRPr lang="en-AT"/>
           </a:p>
@@ -6326,7 +6406,7 @@
           <a:p>
             <a:fld id="{54B5EF71-3848-8048-B7D2-636D112955BB}" type="datetimeFigureOut">
               <a:rPr lang="en-AT" smtClean="0"/>
-              <a:t>07.02.24</a:t>
+              <a:t>29.05.24</a:t>
             </a:fld>
             <a:endParaRPr lang="en-AT"/>
           </a:p>
@@ -6583,7 +6663,7 @@
           <a:p>
             <a:fld id="{54B5EF71-3848-8048-B7D2-636D112955BB}" type="datetimeFigureOut">
               <a:rPr lang="en-AT" smtClean="0"/>
-              <a:t>07.02.24</a:t>
+              <a:t>29.05.24</a:t>
             </a:fld>
             <a:endParaRPr lang="en-AT"/>
           </a:p>
@@ -6796,7 +6876,7 @@
           <a:p>
             <a:fld id="{54B5EF71-3848-8048-B7D2-636D112955BB}" type="datetimeFigureOut">
               <a:rPr lang="en-AT" smtClean="0"/>
-              <a:t>07.02.24</a:t>
+              <a:t>29.05.24</a:t>
             </a:fld>
             <a:endParaRPr lang="en-AT"/>
           </a:p>
@@ -11346,8 +11426,8 @@
           </p:nvSpPr>
           <p:spPr>
             <a:xfrm>
-              <a:off x="841404" y="3083766"/>
-              <a:ext cx="968535" cy="369332"/>
+              <a:off x="740673" y="3083766"/>
+              <a:ext cx="1170000" cy="369332"/>
             </a:xfrm>
             <a:prstGeom prst="rect">
               <a:avLst/>
@@ -11367,7 +11447,7 @@
                     <a:srgbClr val="74A296"/>
                   </a:solidFill>
                 </a:rPr>
-                <a:t>Bi-allelic</a:t>
+                <a:t>simple SVs</a:t>
               </a:r>
               <a:endParaRPr lang="en-AT" dirty="0">
                 <a:solidFill>
@@ -12206,8 +12286,8 @@
           </p:nvSpPr>
           <p:spPr>
             <a:xfrm>
-              <a:off x="3091005" y="3083765"/>
-              <a:ext cx="1292341" cy="369332"/>
+              <a:off x="3066705" y="3083765"/>
+              <a:ext cx="1340945" cy="369332"/>
             </a:xfrm>
             <a:prstGeom prst="rect">
               <a:avLst/>
@@ -12227,13 +12307,8 @@
                     <a:srgbClr val="F58484"/>
                   </a:solidFill>
                 </a:rPr>
-                <a:t>Multi-allelic</a:t>
+                <a:t>complex SVs</a:t>
               </a:r>
-              <a:endParaRPr lang="en-AT" dirty="0">
-                <a:solidFill>
-                  <a:srgbClr val="F58484"/>
-                </a:solidFill>
-              </a:endParaRPr>
             </a:p>
           </p:txBody>
         </p:sp>
@@ -13717,6 +13792,183 @@
 </p:sld>
 </file>
 
+<file path=ppt/slides/slide5.xml><?xml version="1.0" encoding="utf-8"?>
+<p:sld xmlns:a="http://schemas.openxmlformats.org/drawingml/2006/main" xmlns:r="http://schemas.openxmlformats.org/officeDocument/2006/relationships" xmlns:p="http://schemas.openxmlformats.org/presentationml/2006/main">
+  <p:cSld>
+    <p:spTree>
+      <p:nvGrpSpPr>
+        <p:cNvPr id="1" name=""/>
+        <p:cNvGrpSpPr/>
+        <p:nvPr/>
+      </p:nvGrpSpPr>
+      <p:grpSpPr>
+        <a:xfrm>
+          <a:off x="0" y="0"/>
+          <a:ext cx="0" cy="0"/>
+          <a:chOff x="0" y="0"/>
+          <a:chExt cx="0" cy="0"/>
+        </a:xfrm>
+      </p:grpSpPr>
+      <p:grpSp>
+        <p:nvGrpSpPr>
+          <p:cNvPr id="6" name="Group 5">
+            <a:extLst>
+              <a:ext uri="{FF2B5EF4-FFF2-40B4-BE49-F238E27FC236}">
+                <a16:creationId xmlns:a16="http://schemas.microsoft.com/office/drawing/2014/main" id="{7AF04295-B390-A3FD-BB95-2700C622945F}"/>
+              </a:ext>
+            </a:extLst>
+          </p:cNvPr>
+          <p:cNvGrpSpPr/>
+          <p:nvPr/>
+        </p:nvGrpSpPr>
+        <p:grpSpPr>
+          <a:xfrm>
+            <a:off x="2540648" y="3544390"/>
+            <a:ext cx="9097169" cy="8626683"/>
+            <a:chOff x="2540648" y="3544390"/>
+            <a:chExt cx="9097169" cy="8626683"/>
+          </a:xfrm>
+        </p:grpSpPr>
+        <p:pic>
+          <p:nvPicPr>
+            <p:cNvPr id="3" name="Picture 2">
+              <a:extLst>
+                <a:ext uri="{FF2B5EF4-FFF2-40B4-BE49-F238E27FC236}">
+                  <a16:creationId xmlns:a16="http://schemas.microsoft.com/office/drawing/2014/main" id="{8769897F-444C-6295-2E10-61B19A2BC387}"/>
+                </a:ext>
+              </a:extLst>
+            </p:cNvPr>
+            <p:cNvPicPr>
+              <a:picLocks noChangeAspect="1"/>
+            </p:cNvPicPr>
+            <p:nvPr/>
+          </p:nvPicPr>
+          <p:blipFill>
+            <a:blip r:embed="rId2"/>
+            <a:stretch>
+              <a:fillRect/>
+            </a:stretch>
+          </p:blipFill>
+          <p:spPr>
+            <a:xfrm>
+              <a:off x="2540648" y="3590410"/>
+              <a:ext cx="9097169" cy="8580663"/>
+            </a:xfrm>
+            <a:prstGeom prst="rect">
+              <a:avLst/>
+            </a:prstGeom>
+          </p:spPr>
+        </p:pic>
+        <p:sp>
+          <p:nvSpPr>
+            <p:cNvPr id="4" name="TextBox 3">
+              <a:extLst>
+                <a:ext uri="{FF2B5EF4-FFF2-40B4-BE49-F238E27FC236}">
+                  <a16:creationId xmlns:a16="http://schemas.microsoft.com/office/drawing/2014/main" id="{91040C6B-BFE0-8DB3-BDDC-F8BC8E14AFE4}"/>
+                </a:ext>
+              </a:extLst>
+            </p:cNvPr>
+            <p:cNvSpPr txBox="1"/>
+            <p:nvPr/>
+          </p:nvSpPr>
+          <p:spPr>
+            <a:xfrm>
+              <a:off x="10797902" y="3544390"/>
+              <a:ext cx="593998" cy="492443"/>
+            </a:xfrm>
+            <a:prstGeom prst="rect">
+              <a:avLst/>
+            </a:prstGeom>
+            <a:solidFill>
+              <a:schemeClr val="bg1"/>
+            </a:solidFill>
+          </p:spPr>
+          <p:txBody>
+            <a:bodyPr wrap="square" rtlCol="0">
+              <a:spAutoFit/>
+            </a:bodyPr>
+            <a:lstStyle/>
+            <a:p>
+              <a:r>
+                <a:rPr lang="en-AT" sz="1300" dirty="0"/>
+                <a:t>cSVs</a:t>
+              </a:r>
+            </a:p>
+            <a:p>
+              <a:r>
+                <a:rPr lang="en-AT" sz="1300" dirty="0"/>
+                <a:t>sSVs</a:t>
+              </a:r>
+            </a:p>
+          </p:txBody>
+        </p:sp>
+        <p:sp>
+          <p:nvSpPr>
+            <p:cNvPr id="5" name="TextBox 4">
+              <a:extLst>
+                <a:ext uri="{FF2B5EF4-FFF2-40B4-BE49-F238E27FC236}">
+                  <a16:creationId xmlns:a16="http://schemas.microsoft.com/office/drawing/2014/main" id="{7D7E4D6D-60F8-B940-DFC6-1F816745DB0A}"/>
+                </a:ext>
+              </a:extLst>
+            </p:cNvPr>
+            <p:cNvSpPr txBox="1"/>
+            <p:nvPr/>
+          </p:nvSpPr>
+          <p:spPr>
+            <a:xfrm>
+              <a:off x="4480561" y="4121536"/>
+              <a:ext cx="932371" cy="292388"/>
+            </a:xfrm>
+            <a:prstGeom prst="rect">
+              <a:avLst/>
+            </a:prstGeom>
+            <a:solidFill>
+              <a:schemeClr val="bg1"/>
+            </a:solidFill>
+          </p:spPr>
+          <p:txBody>
+            <a:bodyPr wrap="none" rtlCol="0">
+              <a:spAutoFit/>
+            </a:bodyPr>
+            <a:lstStyle/>
+            <a:p>
+              <a:r>
+                <a:rPr lang="en-AT" sz="1300" dirty="0">
+                  <a:solidFill>
+                    <a:srgbClr val="F58484"/>
+                  </a:solidFill>
+                </a:rPr>
+                <a:t>cSVs</a:t>
+              </a:r>
+              <a:r>
+                <a:rPr lang="en-AT" sz="1300" dirty="0"/>
+                <a:t>    </a:t>
+              </a:r>
+              <a:r>
+                <a:rPr lang="en-AT" sz="1300" dirty="0">
+                  <a:solidFill>
+                    <a:srgbClr val="74A296"/>
+                  </a:solidFill>
+                </a:rPr>
+                <a:t>sSVs</a:t>
+              </a:r>
+            </a:p>
+          </p:txBody>
+        </p:sp>
+      </p:grpSp>
+    </p:spTree>
+    <p:extLst>
+      <p:ext uri="{BB962C8B-B14F-4D97-AF65-F5344CB8AC3E}">
+        <p14:creationId xmlns:p14="http://schemas.microsoft.com/office/powerpoint/2010/main" val="1695903505"/>
+      </p:ext>
+    </p:extLst>
+  </p:cSld>
+  <p:clrMapOvr>
+    <a:masterClrMapping/>
+  </p:clrMapOvr>
+</p:sld>
+</file>
+
 <file path=ppt/theme/theme1.xml><?xml version="1.0" encoding="utf-8"?>
 <a:theme xmlns:a="http://schemas.openxmlformats.org/drawingml/2006/main" name="Office Theme">
   <a:themeElements>
